--- a/Workshops/WS_0.2_CommandsGithub.pptx
+++ b/Workshops/WS_0.2_CommandsGithub.pptx
@@ -5,8 +5,8 @@
     <p:sldMasterId id="2147483648" r:id="rId1"/>
   </p:sldMasterIdLst>
   <p:sldIdLst>
-    <p:sldId id="256" r:id="rId2"/>
-    <p:sldId id="257" r:id="rId3"/>
+    <p:sldId id="257" r:id="rId2"/>
+    <p:sldId id="260" r:id="rId3"/>
     <p:sldId id="258" r:id="rId4"/>
     <p:sldId id="259" r:id="rId5"/>
   </p:sldIdLst>
@@ -291,7 +291,7 @@
           <a:p>
             <a:fld id="{AFDCBA16-5CC2-430E-8EDD-94B16D343695}" type="datetimeFigureOut">
               <a:rPr lang="es-EC" smtClean="0"/>
-              <a:t>23/09/2019</a:t>
+              <a:t>25/09/2019</a:t>
             </a:fld>
             <a:endParaRPr lang="es-EC"/>
           </a:p>
@@ -461,7 +461,7 @@
           <a:p>
             <a:fld id="{AFDCBA16-5CC2-430E-8EDD-94B16D343695}" type="datetimeFigureOut">
               <a:rPr lang="es-EC" smtClean="0"/>
-              <a:t>23/09/2019</a:t>
+              <a:t>25/09/2019</a:t>
             </a:fld>
             <a:endParaRPr lang="es-EC"/>
           </a:p>
@@ -641,7 +641,7 @@
           <a:p>
             <a:fld id="{AFDCBA16-5CC2-430E-8EDD-94B16D343695}" type="datetimeFigureOut">
               <a:rPr lang="es-EC" smtClean="0"/>
-              <a:t>23/09/2019</a:t>
+              <a:t>25/09/2019</a:t>
             </a:fld>
             <a:endParaRPr lang="es-EC"/>
           </a:p>
@@ -811,7 +811,7 @@
           <a:p>
             <a:fld id="{AFDCBA16-5CC2-430E-8EDD-94B16D343695}" type="datetimeFigureOut">
               <a:rPr lang="es-EC" smtClean="0"/>
-              <a:t>23/09/2019</a:t>
+              <a:t>25/09/2019</a:t>
             </a:fld>
             <a:endParaRPr lang="es-EC"/>
           </a:p>
@@ -1057,7 +1057,7 @@
           <a:p>
             <a:fld id="{AFDCBA16-5CC2-430E-8EDD-94B16D343695}" type="datetimeFigureOut">
               <a:rPr lang="es-EC" smtClean="0"/>
-              <a:t>23/09/2019</a:t>
+              <a:t>25/09/2019</a:t>
             </a:fld>
             <a:endParaRPr lang="es-EC"/>
           </a:p>
@@ -1345,7 +1345,7 @@
           <a:p>
             <a:fld id="{AFDCBA16-5CC2-430E-8EDD-94B16D343695}" type="datetimeFigureOut">
               <a:rPr lang="es-EC" smtClean="0"/>
-              <a:t>23/09/2019</a:t>
+              <a:t>25/09/2019</a:t>
             </a:fld>
             <a:endParaRPr lang="es-EC"/>
           </a:p>
@@ -1767,7 +1767,7 @@
           <a:p>
             <a:fld id="{AFDCBA16-5CC2-430E-8EDD-94B16D343695}" type="datetimeFigureOut">
               <a:rPr lang="es-EC" smtClean="0"/>
-              <a:t>23/09/2019</a:t>
+              <a:t>25/09/2019</a:t>
             </a:fld>
             <a:endParaRPr lang="es-EC"/>
           </a:p>
@@ -1885,7 +1885,7 @@
           <a:p>
             <a:fld id="{AFDCBA16-5CC2-430E-8EDD-94B16D343695}" type="datetimeFigureOut">
               <a:rPr lang="es-EC" smtClean="0"/>
-              <a:t>23/09/2019</a:t>
+              <a:t>25/09/2019</a:t>
             </a:fld>
             <a:endParaRPr lang="es-EC"/>
           </a:p>
@@ -1980,7 +1980,7 @@
           <a:p>
             <a:fld id="{AFDCBA16-5CC2-430E-8EDD-94B16D343695}" type="datetimeFigureOut">
               <a:rPr lang="es-EC" smtClean="0"/>
-              <a:t>23/09/2019</a:t>
+              <a:t>25/09/2019</a:t>
             </a:fld>
             <a:endParaRPr lang="es-EC"/>
           </a:p>
@@ -2257,7 +2257,7 @@
           <a:p>
             <a:fld id="{AFDCBA16-5CC2-430E-8EDD-94B16D343695}" type="datetimeFigureOut">
               <a:rPr lang="es-EC" smtClean="0"/>
-              <a:t>23/09/2019</a:t>
+              <a:t>25/09/2019</a:t>
             </a:fld>
             <a:endParaRPr lang="es-EC"/>
           </a:p>
@@ -2510,7 +2510,7 @@
           <a:p>
             <a:fld id="{AFDCBA16-5CC2-430E-8EDD-94B16D343695}" type="datetimeFigureOut">
               <a:rPr lang="es-EC" smtClean="0"/>
-              <a:t>23/09/2019</a:t>
+              <a:t>25/09/2019</a:t>
             </a:fld>
             <a:endParaRPr lang="es-EC"/>
           </a:p>
@@ -2723,7 +2723,7 @@
           <a:p>
             <a:fld id="{AFDCBA16-5CC2-430E-8EDD-94B16D343695}" type="datetimeFigureOut">
               <a:rPr lang="es-EC" smtClean="0"/>
-              <a:t>23/09/2019</a:t>
+              <a:t>25/09/2019</a:t>
             </a:fld>
             <a:endParaRPr lang="es-EC"/>
           </a:p>
@@ -3098,126 +3098,6 @@
           <a:chExt cx="0" cy="0"/>
         </a:xfrm>
       </p:grpSpPr>
-      <p:sp>
-        <p:nvSpPr>
-          <p:cNvPr id="2" name="1 Título"/>
-          <p:cNvSpPr>
-            <a:spLocks noGrp="1"/>
-          </p:cNvSpPr>
-          <p:nvPr>
-            <p:ph type="ctrTitle"/>
-          </p:nvPr>
-        </p:nvSpPr>
-        <p:spPr>
-          <a:xfrm>
-            <a:off x="395536" y="332656"/>
-            <a:ext cx="7772400" cy="1470025"/>
-          </a:xfrm>
-        </p:spPr>
-        <p:txBody>
-          <a:bodyPr/>
-          <a:lstStyle/>
-          <a:p>
-            <a:r>
-              <a:rPr lang="es-EC" dirty="0" smtClean="0"/>
-              <a:t>WS_0.2_CommandsGithub</a:t>
-            </a:r>
-            <a:endParaRPr lang="es-EC" dirty="0"/>
-          </a:p>
-        </p:txBody>
-      </p:sp>
-      <p:pic>
-        <p:nvPicPr>
-          <p:cNvPr id="1026" name="Picture 2"/>
-          <p:cNvPicPr>
-            <a:picLocks noChangeAspect="1" noChangeArrowheads="1"/>
-          </p:cNvPicPr>
-          <p:nvPr/>
-        </p:nvPicPr>
-        <p:blipFill rotWithShape="1">
-          <a:blip r:embed="rId2">
-            <a:extLst>
-              <a:ext uri="{28A0092B-C50C-407E-A947-70E740481C1C}">
-                <a14:useLocalDpi xmlns:a14="http://schemas.microsoft.com/office/drawing/2010/main" val="0"/>
-              </a:ext>
-            </a:extLst>
-          </a:blip>
-          <a:srcRect l="9036" t="8532" r="15555" b="6250"/>
-          <a:stretch/>
-        </p:blipFill>
-        <p:spPr bwMode="auto">
-          <a:xfrm>
-            <a:off x="1148319" y="1700808"/>
-            <a:ext cx="6559330" cy="4167503"/>
-          </a:xfrm>
-          <a:prstGeom prst="rect">
-            <a:avLst/>
-          </a:prstGeom>
-          <a:noFill/>
-          <a:ln>
-            <a:noFill/>
-          </a:ln>
-          <a:effectLst/>
-          <a:extLst>
-            <a:ext uri="{909E8E84-426E-40DD-AFC4-6F175D3DCCD1}">
-              <a14:hiddenFill xmlns:a14="http://schemas.microsoft.com/office/drawing/2010/main">
-                <a:solidFill>
-                  <a:schemeClr val="accent1"/>
-                </a:solidFill>
-              </a14:hiddenFill>
-            </a:ext>
-            <a:ext uri="{91240B29-F687-4F45-9708-019B960494DF}">
-              <a14:hiddenLine xmlns:a14="http://schemas.microsoft.com/office/drawing/2010/main" w="9525">
-                <a:solidFill>
-                  <a:schemeClr val="tx1"/>
-                </a:solidFill>
-                <a:miter lim="800000"/>
-                <a:headEnd/>
-                <a:tailEnd/>
-              </a14:hiddenLine>
-            </a:ext>
-            <a:ext uri="{AF507438-7753-43E0-B8FC-AC1667EBCBE1}">
-              <a14:hiddenEffects xmlns:a14="http://schemas.microsoft.com/office/drawing/2010/main">
-                <a:effectLst>
-                  <a:outerShdw dist="35921" dir="2700000" algn="ctr" rotWithShape="0">
-                    <a:schemeClr val="bg2"/>
-                  </a:outerShdw>
-                </a:effectLst>
-              </a14:hiddenEffects>
-            </a:ext>
-          </a:extLst>
-        </p:spPr>
-      </p:pic>
-    </p:spTree>
-    <p:extLst>
-      <p:ext uri="{BB962C8B-B14F-4D97-AF65-F5344CB8AC3E}">
-        <p14:creationId xmlns:p14="http://schemas.microsoft.com/office/powerpoint/2010/main" val="3432530666"/>
-      </p:ext>
-    </p:extLst>
-  </p:cSld>
-  <p:clrMapOvr>
-    <a:masterClrMapping/>
-  </p:clrMapOvr>
-</p:sld>
-</file>
-
-<file path=ppt/slides/slide2.xml><?xml version="1.0" encoding="utf-8"?>
-<p:sld xmlns:a="http://schemas.openxmlformats.org/drawingml/2006/main" xmlns:r="http://schemas.openxmlformats.org/officeDocument/2006/relationships" xmlns:p="http://schemas.openxmlformats.org/presentationml/2006/main">
-  <p:cSld>
-    <p:spTree>
-      <p:nvGrpSpPr>
-        <p:cNvPr id="1" name=""/>
-        <p:cNvGrpSpPr/>
-        <p:nvPr/>
-      </p:nvGrpSpPr>
-      <p:grpSpPr>
-        <a:xfrm>
-          <a:off x="0" y="0"/>
-          <a:ext cx="0" cy="0"/>
-          <a:chOff x="0" y="0"/>
-          <a:chExt cx="0" cy="0"/>
-        </a:xfrm>
-      </p:grpSpPr>
       <p:pic>
         <p:nvPicPr>
           <p:cNvPr id="2050" name="Picture 2"/>
@@ -3239,7 +3119,7 @@
         </p:blipFill>
         <p:spPr bwMode="auto">
           <a:xfrm>
-            <a:off x="467545" y="332656"/>
+            <a:off x="683568" y="1988840"/>
             <a:ext cx="7704856" cy="3038811"/>
           </a:xfrm>
           <a:prstGeom prst="rect">
@@ -3280,16 +3160,90 @@
           </a:extLst>
         </p:spPr>
       </p:pic>
+      <p:sp>
+        <p:nvSpPr>
+          <p:cNvPr id="4" name="1 Título"/>
+          <p:cNvSpPr txBox="1">
+            <a:spLocks/>
+          </p:cNvSpPr>
+          <p:nvPr/>
+        </p:nvSpPr>
+        <p:spPr>
+          <a:xfrm>
+            <a:off x="395536" y="332656"/>
+            <a:ext cx="7772400" cy="1470025"/>
+          </a:xfrm>
+          <a:prstGeom prst="rect">
+            <a:avLst/>
+          </a:prstGeom>
+        </p:spPr>
+        <p:txBody>
+          <a:bodyPr/>
+          <a:lstStyle>
+            <a:lvl1pPr algn="ctr" defTabSz="914400" rtl="0" eaLnBrk="1" latinLnBrk="0" hangingPunct="1">
+              <a:spcBef>
+                <a:spcPct val="0"/>
+              </a:spcBef>
+              <a:buNone/>
+              <a:defRPr sz="4400" kern="1200">
+                <a:solidFill>
+                  <a:schemeClr val="tx1"/>
+                </a:solidFill>
+                <a:latin typeface="+mj-lt"/>
+                <a:ea typeface="+mj-ea"/>
+                <a:cs typeface="+mj-cs"/>
+              </a:defRPr>
+            </a:lvl1pPr>
+          </a:lstStyle>
+          <a:p>
+            <a:r>
+              <a:rPr lang="es-EC" smtClean="0"/>
+              <a:t>WS_0.2_CommandsGithub</a:t>
+            </a:r>
+            <a:endParaRPr lang="es-EC" dirty="0"/>
+          </a:p>
+        </p:txBody>
+      </p:sp>
+    </p:spTree>
+    <p:extLst>
+      <p:ext uri="{BB962C8B-B14F-4D97-AF65-F5344CB8AC3E}">
+        <p14:creationId xmlns:p14="http://schemas.microsoft.com/office/powerpoint/2010/main" val="2290588085"/>
+      </p:ext>
+    </p:extLst>
+  </p:cSld>
+  <p:clrMapOvr>
+    <a:masterClrMapping/>
+  </p:clrMapOvr>
+</p:sld>
+</file>
+
+<file path=ppt/slides/slide2.xml><?xml version="1.0" encoding="utf-8"?>
+<p:sld xmlns:a="http://schemas.openxmlformats.org/drawingml/2006/main" xmlns:r="http://schemas.openxmlformats.org/officeDocument/2006/relationships" xmlns:p="http://schemas.openxmlformats.org/presentationml/2006/main">
+  <p:cSld>
+    <p:spTree>
+      <p:nvGrpSpPr>
+        <p:cNvPr id="1" name=""/>
+        <p:cNvGrpSpPr/>
+        <p:nvPr/>
+      </p:nvGrpSpPr>
+      <p:grpSpPr>
+        <a:xfrm>
+          <a:off x="0" y="0"/>
+          <a:ext cx="0" cy="0"/>
+          <a:chOff x="0" y="0"/>
+          <a:chExt cx="0" cy="0"/>
+        </a:xfrm>
+      </p:grpSpPr>
       <p:pic>
         <p:nvPicPr>
-          <p:cNvPr id="2051" name="Picture 3"/>
+          <p:cNvPr id="2" name="Picture 3"/>
           <p:cNvPicPr>
             <a:picLocks noChangeAspect="1" noChangeArrowheads="1"/>
           </p:cNvPicPr>
           <p:nvPr/>
         </p:nvPicPr>
         <p:blipFill rotWithShape="1">
-          <a:blip r:embed="rId3">
+          <a:blip r:embed="rId2">
             <a:extLst>
               <a:ext uri="{28A0092B-C50C-407E-A947-70E740481C1C}">
                 <a14:useLocalDpi xmlns:a14="http://schemas.microsoft.com/office/drawing/2010/main" val="0"/>
@@ -3301,7 +3255,7 @@
         </p:blipFill>
         <p:spPr bwMode="auto">
           <a:xfrm>
-            <a:off x="924628" y="3372769"/>
+            <a:off x="683568" y="620688"/>
             <a:ext cx="7319780" cy="3584623"/>
           </a:xfrm>
           <a:prstGeom prst="rect">
@@ -3345,7 +3299,7 @@
     </p:spTree>
     <p:extLst>
       <p:ext uri="{BB962C8B-B14F-4D97-AF65-F5344CB8AC3E}">
-        <p14:creationId xmlns:p14="http://schemas.microsoft.com/office/powerpoint/2010/main" val="2290588085"/>
+        <p14:creationId xmlns:p14="http://schemas.microsoft.com/office/powerpoint/2010/main" val="3467121921"/>
       </p:ext>
     </p:extLst>
   </p:cSld>
@@ -3393,7 +3347,7 @@
         </p:blipFill>
         <p:spPr>
           <a:xfrm>
-            <a:off x="251519" y="260648"/>
+            <a:off x="539552" y="692696"/>
             <a:ext cx="7898939" cy="4320480"/>
           </a:xfrm>
           <a:prstGeom prst="rect">
